--- a/Nuclear_Fuel_Performance/NE533_Spring2025/MOOSE/Part1.pptx
+++ b/Nuclear_Fuel_Performance/NE533_Spring2025/MOOSE/Part1.pptx
@@ -105,6 +105,11 @@
       </a:defRPr>
     </a:lvl9pPr>
   </p:defaultTextStyle>
+  <p:extLst>
+    <p:ext uri="{EFAFB233-063F-42B5-8137-9DF3F51BA10A}">
+      <p15:sldGuideLst xmlns:p15="http://schemas.microsoft.com/office/powerpoint/2012/main"/>
+    </p:ext>
+  </p:extLst>
 </p:presentation>
 </file>
 
@@ -296,7 +301,7 @@
             </a:pPr>
             <a:fld id="{D6F3A803-A045-354B-887A-01433CE46FC2}" type="datetime1">
               <a:rPr lang="en-US" smtClean="0"/>
-              <a:t>1/29/25</a:t>
+              <a:t>2/26/25</a:t>
             </a:fld>
             <a:endParaRPr lang="en-US"/>
           </a:p>
@@ -489,7 +494,7 @@
             </a:pPr>
             <a:fld id="{A8B33C1D-C2E2-1049-AA3F-CD6E91052752}" type="datetime1">
               <a:rPr lang="en-US" smtClean="0"/>
-              <a:t>1/29/25</a:t>
+              <a:t>2/26/25</a:t>
             </a:fld>
             <a:endParaRPr lang="en-US"/>
           </a:p>
@@ -691,7 +696,7 @@
             </a:pPr>
             <a:fld id="{2791AD68-B60C-4542-BDDD-2074DE6DE828}" type="datetime1">
               <a:rPr lang="en-US" smtClean="0"/>
-              <a:t>1/29/25</a:t>
+              <a:t>2/26/25</a:t>
             </a:fld>
             <a:endParaRPr lang="en-US"/>
           </a:p>
@@ -890,7 +895,7 @@
             </a:pPr>
             <a:fld id="{C5BD04BF-9DC2-6341-92B2-BD109A2EF3B1}" type="datetime1">
               <a:rPr lang="en-US" smtClean="0"/>
-              <a:t>1/29/25</a:t>
+              <a:t>2/26/25</a:t>
             </a:fld>
             <a:endParaRPr lang="en-US"/>
           </a:p>
@@ -1160,7 +1165,7 @@
             </a:pPr>
             <a:fld id="{FB0FFBC7-3028-644D-986B-D9855CB74B38}" type="datetime1">
               <a:rPr lang="en-US" smtClean="0"/>
-              <a:t>1/29/25</a:t>
+              <a:t>2/26/25</a:t>
             </a:fld>
             <a:endParaRPr lang="en-US"/>
           </a:p>
@@ -1471,7 +1476,7 @@
             </a:pPr>
             <a:fld id="{2C3B8AE4-01F5-CC42-9C62-61BC6528368B}" type="datetime1">
               <a:rPr lang="en-US" smtClean="0"/>
-              <a:t>1/29/25</a:t>
+              <a:t>2/26/25</a:t>
             </a:fld>
             <a:endParaRPr lang="en-US"/>
           </a:p>
@@ -1914,7 +1919,7 @@
             </a:pPr>
             <a:fld id="{77E49314-4A78-2444-9569-44EB70168344}" type="datetime1">
               <a:rPr lang="en-US" smtClean="0"/>
-              <a:t>1/29/25</a:t>
+              <a:t>2/26/25</a:t>
             </a:fld>
             <a:endParaRPr lang="en-US"/>
           </a:p>
@@ -2055,7 +2060,7 @@
             </a:pPr>
             <a:fld id="{5BC22837-4683-B242-B000-BCEE30621787}" type="datetime1">
               <a:rPr lang="en-US" smtClean="0"/>
-              <a:t>1/29/25</a:t>
+              <a:t>2/26/25</a:t>
             </a:fld>
             <a:endParaRPr lang="en-US"/>
           </a:p>
@@ -2174,7 +2179,7 @@
             </a:pPr>
             <a:fld id="{DCDAE926-7EF1-0B40-B57E-417D188A609C}" type="datetime1">
               <a:rPr lang="en-US" smtClean="0"/>
-              <a:t>1/29/25</a:t>
+              <a:t>2/26/25</a:t>
             </a:fld>
             <a:endParaRPr lang="en-US"/>
           </a:p>
@@ -2473,7 +2478,7 @@
             </a:pPr>
             <a:fld id="{518D107B-B9C7-5B41-A168-55258AB95F52}" type="datetime1">
               <a:rPr lang="en-US" smtClean="0"/>
-              <a:t>1/29/25</a:t>
+              <a:t>2/26/25</a:t>
             </a:fld>
             <a:endParaRPr lang="en-US"/>
           </a:p>
@@ -2757,7 +2762,7 @@
             </a:pPr>
             <a:fld id="{3AD92D36-EE82-3142-B011-9831FB5E702F}" type="datetime1">
               <a:rPr lang="en-US" smtClean="0"/>
-              <a:t>1/29/25</a:t>
+              <a:t>2/26/25</a:t>
             </a:fld>
             <a:endParaRPr lang="en-US"/>
           </a:p>
@@ -2898,7 +2903,7 @@
               </a14:hiddenLine>
             </a:ext>
             <a:ext uri="{FAA26D3D-D897-4be2-8F04-BA451C77F1D7}">
-              <ma14:placeholderFlag xmlns:ma14="http://schemas.microsoft.com/office/mac/drawingml/2011/main" xmlns="" val="1"/>
+              <ma14:placeholderFlag xmlns="" xmlns:ma14="http://schemas.microsoft.com/office/mac/drawingml/2011/main" val="1"/>
             </a:ext>
           </a:extLst>
         </p:spPr>
@@ -2966,7 +2971,7 @@
               </a14:hiddenLine>
             </a:ext>
             <a:ext uri="{FAA26D3D-D897-4be2-8F04-BA451C77F1D7}">
-              <ma14:placeholderFlag xmlns:ma14="http://schemas.microsoft.com/office/mac/drawingml/2011/main" xmlns="" val="1"/>
+              <ma14:placeholderFlag xmlns="" xmlns:ma14="http://schemas.microsoft.com/office/mac/drawingml/2011/main" val="1"/>
             </a:ext>
           </a:extLst>
         </p:spPr>
@@ -3062,7 +3067,7 @@
             </a:pPr>
             <a:fld id="{3EE08B4B-7256-494F-A90D-3891BD685F4A}" type="datetime1">
               <a:rPr lang="en-US" smtClean="0"/>
-              <a:t>1/29/25</a:t>
+              <a:t>2/26/25</a:t>
             </a:fld>
             <a:endParaRPr lang="en-US" dirty="0"/>
           </a:p>
@@ -4602,23 +4607,20 @@
               </a:rPr>
               <a:t>Steady-state: LHR = 350 W/cm</a:t>
             </a:r>
-            <a:r>
-              <a:rPr kumimoji="0" lang="en-US" sz="1800" b="0" i="0" u="none" strike="noStrike" kern="1200" cap="none" spc="0" normalizeH="0" baseline="30000" noProof="0" dirty="0">
-                <a:ln>
-                  <a:noFill/>
-                </a:ln>
-                <a:solidFill>
-                  <a:prstClr val="black"/>
-                </a:solidFill>
-                <a:effectLst/>
-                <a:uLnTx/>
-                <a:uFillTx/>
-                <a:latin typeface="Calibri"/>
-                <a:ea typeface="+mn-ea"/>
-                <a:cs typeface="+mn-cs"/>
-              </a:rPr>
-              <a:t>2</a:t>
-            </a:r>
+            <a:endParaRPr kumimoji="0" lang="en-US" sz="1800" b="0" i="0" u="none" strike="noStrike" kern="1200" cap="none" spc="0" normalizeH="0" baseline="30000" noProof="0" dirty="0">
+              <a:ln>
+                <a:noFill/>
+              </a:ln>
+              <a:solidFill>
+                <a:prstClr val="black"/>
+              </a:solidFill>
+              <a:effectLst/>
+              <a:uLnTx/>
+              <a:uFillTx/>
+              <a:latin typeface="Calibri"/>
+              <a:ea typeface="+mn-ea"/>
+              <a:cs typeface="+mn-cs"/>
+            </a:endParaRPr>
           </a:p>
           <a:p>
             <a:pPr marL="742950" marR="0" lvl="1" indent="-285750" algn="l" defTabSz="914400" rtl="0" eaLnBrk="1" fontAlgn="auto" latinLnBrk="0" hangingPunct="1">
